--- a/Final Project.pptx
+++ b/Final Project.pptx
@@ -20,19 +20,21 @@
     <p:sldId id="264" r:id="rId15"/>
     <p:sldId id="265" r:id="rId16"/>
     <p:sldId id="266" r:id="rId17"/>
+    <p:sldId id="267" r:id="rId18"/>
+    <p:sldId id="268" r:id="rId19"/>
   </p:sldIdLst>
   <p:sldSz cy="5143500" cx="9144000"/>
   <p:notesSz cx="6858000" cy="9144000"/>
   <p:embeddedFontLst>
     <p:embeddedFont>
       <p:font typeface="Oswald SemiBold"/>
-      <p:regular r:id="rId18"/>
-      <p:bold r:id="rId19"/>
+      <p:regular r:id="rId20"/>
+      <p:bold r:id="rId21"/>
     </p:embeddedFont>
     <p:embeddedFont>
       <p:font typeface="Oswald"/>
-      <p:regular r:id="rId20"/>
-      <p:bold r:id="rId21"/>
+      <p:regular r:id="rId22"/>
+      <p:bold r:id="rId23"/>
     </p:embeddedFont>
   </p:embeddedFontLst>
   <p:defaultTextStyle>
@@ -813,7 +815,7 @@
   <p:cSld>
     <p:spTree>
       <p:nvGrpSpPr>
-        <p:cNvPr id="166" name="Shape 166"/>
+        <p:cNvPr id="172" name="Shape 172"/>
         <p:cNvGrpSpPr/>
         <p:nvPr/>
       </p:nvGrpSpPr>
@@ -827,7 +829,7 @@
       </p:grpSpPr>
       <p:sp>
         <p:nvSpPr>
-          <p:cNvPr id="167" name="Google Shape;167;g328027dfd6c_3_31:notes"/>
+          <p:cNvPr id="173" name="Google Shape;173;g328027dfd6c_3_86:notes"/>
           <p:cNvSpPr/>
           <p:nvPr>
             <p:ph idx="2" type="sldImg"/>
@@ -862,7 +864,7 @@
       </p:sp>
       <p:sp>
         <p:nvSpPr>
-          <p:cNvPr id="168" name="Google Shape;168;g328027dfd6c_3_31:notes"/>
+          <p:cNvPr id="174" name="Google Shape;174;g328027dfd6c_3_86:notes"/>
           <p:cNvSpPr txBox="1"/>
           <p:nvPr>
             <p:ph idx="1" type="body"/>
@@ -912,7 +914,7 @@
   <p:cSld>
     <p:spTree>
       <p:nvGrpSpPr>
-        <p:cNvPr id="173" name="Shape 173"/>
+        <p:cNvPr id="178" name="Shape 178"/>
         <p:cNvGrpSpPr/>
         <p:nvPr/>
       </p:nvGrpSpPr>
@@ -926,7 +928,7 @@
       </p:grpSpPr>
       <p:sp>
         <p:nvSpPr>
-          <p:cNvPr id="174" name="Google Shape;174;g328027dfd6c_3_45:notes"/>
+          <p:cNvPr id="179" name="Google Shape;179;g328027dfd6c_3_24:notes"/>
           <p:cNvSpPr/>
           <p:nvPr>
             <p:ph idx="2" type="sldImg"/>
@@ -961,7 +963,205 @@
       </p:sp>
       <p:sp>
         <p:nvSpPr>
-          <p:cNvPr id="175" name="Google Shape;175;g328027dfd6c_3_45:notes"/>
+          <p:cNvPr id="180" name="Google Shape;180;g328027dfd6c_3_24:notes"/>
+          <p:cNvSpPr txBox="1"/>
+          <p:nvPr>
+            <p:ph idx="1" type="body"/>
+          </p:nvPr>
+        </p:nvSpPr>
+        <p:spPr>
+          <a:xfrm>
+            <a:off x="685800" y="4343400"/>
+            <a:ext cx="5486400" cy="4114800"/>
+          </a:xfrm>
+          <a:prstGeom prst="rect">
+            <a:avLst/>
+          </a:prstGeom>
+        </p:spPr>
+        <p:txBody>
+          <a:bodyPr anchorCtr="0" anchor="t" bIns="91425" lIns="91425" spcFirstLastPara="1" rIns="91425" wrap="square" tIns="91425">
+            <a:noAutofit/>
+          </a:bodyPr>
+          <a:lstStyle/>
+          <a:p>
+            <a:pPr indent="0" lvl="0" marL="0" rtl="0" algn="l">
+              <a:spcBef>
+                <a:spcPts val="0"/>
+              </a:spcBef>
+              <a:spcAft>
+                <a:spcPts val="0"/>
+              </a:spcAft>
+              <a:buNone/>
+            </a:pPr>
+            <a:r>
+              <a:t/>
+            </a:r>
+            <a:endParaRPr/>
+          </a:p>
+        </p:txBody>
+      </p:sp>
+    </p:spTree>
+  </p:cSld>
+  <p:clrMapOvr>
+    <a:masterClrMapping/>
+  </p:clrMapOvr>
+</p:notes>
+</file>
+
+<file path=ppt/notesSlides/notesSlide12.xml><?xml version="1.0" encoding="utf-8"?>
+<p:notes xmlns:a="http://schemas.openxmlformats.org/drawingml/2006/main" xmlns:r="http://schemas.openxmlformats.org/officeDocument/2006/relationships" xmlns:mc="http://schemas.openxmlformats.org/markup-compatibility/2006" xmlns:mv="urn:schemas-microsoft-com:mac:vml" xmlns:p="http://schemas.openxmlformats.org/presentationml/2006/main" xmlns:c="http://schemas.openxmlformats.org/drawingml/2006/chart" xmlns:dgm="http://schemas.openxmlformats.org/drawingml/2006/diagram" xmlns:o="urn:schemas-microsoft-com:office:office" xmlns:v="urn:schemas-microsoft-com:vml" xmlns:pvml="urn:schemas-microsoft-com:office:powerpoint" xmlns:com="http://schemas.openxmlformats.org/drawingml/2006/compatibility" xmlns:p14="http://schemas.microsoft.com/office/powerpoint/2010/main" xmlns:p15="http://schemas.microsoft.com/office/powerpoint/2012/main" xmlns:ahyp="http://schemas.microsoft.com/office/drawing/2018/hyperlinkcolor" showMasterPhAnim="0" showMasterSp="0">
+  <p:cSld>
+    <p:spTree>
+      <p:nvGrpSpPr>
+        <p:cNvPr id="184" name="Shape 184"/>
+        <p:cNvGrpSpPr/>
+        <p:nvPr/>
+      </p:nvGrpSpPr>
+      <p:grpSpPr>
+        <a:xfrm>
+          <a:off x="0" y="0"/>
+          <a:ext cx="0" cy="0"/>
+          <a:chOff x="0" y="0"/>
+          <a:chExt cx="0" cy="0"/>
+        </a:xfrm>
+      </p:grpSpPr>
+      <p:sp>
+        <p:nvSpPr>
+          <p:cNvPr id="185" name="Google Shape;185;g328027dfd6c_3_31:notes"/>
+          <p:cNvSpPr/>
+          <p:nvPr>
+            <p:ph idx="2" type="sldImg"/>
+          </p:nvPr>
+        </p:nvSpPr>
+        <p:spPr>
+          <a:xfrm>
+            <a:off x="381300" y="685800"/>
+            <a:ext cx="6096000" cy="3429000"/>
+          </a:xfrm>
+          <a:custGeom>
+            <a:rect b="b" l="l" r="r" t="t"/>
+            <a:pathLst>
+              <a:path extrusionOk="0" h="120000" w="120000">
+                <a:moveTo>
+                  <a:pt x="0" y="0"/>
+                </a:moveTo>
+                <a:lnTo>
+                  <a:pt x="120000" y="0"/>
+                </a:lnTo>
+                <a:lnTo>
+                  <a:pt x="120000" y="120000"/>
+                </a:lnTo>
+                <a:lnTo>
+                  <a:pt x="0" y="120000"/>
+                </a:lnTo>
+                <a:close/>
+              </a:path>
+            </a:pathLst>
+          </a:custGeom>
+        </p:spPr>
+      </p:sp>
+      <p:sp>
+        <p:nvSpPr>
+          <p:cNvPr id="186" name="Google Shape;186;g328027dfd6c_3_31:notes"/>
+          <p:cNvSpPr txBox="1"/>
+          <p:nvPr>
+            <p:ph idx="1" type="body"/>
+          </p:nvPr>
+        </p:nvSpPr>
+        <p:spPr>
+          <a:xfrm>
+            <a:off x="685800" y="4343400"/>
+            <a:ext cx="5486400" cy="4114800"/>
+          </a:xfrm>
+          <a:prstGeom prst="rect">
+            <a:avLst/>
+          </a:prstGeom>
+        </p:spPr>
+        <p:txBody>
+          <a:bodyPr anchorCtr="0" anchor="t" bIns="91425" lIns="91425" spcFirstLastPara="1" rIns="91425" wrap="square" tIns="91425">
+            <a:noAutofit/>
+          </a:bodyPr>
+          <a:lstStyle/>
+          <a:p>
+            <a:pPr indent="0" lvl="0" marL="0" rtl="0" algn="l">
+              <a:spcBef>
+                <a:spcPts val="0"/>
+              </a:spcBef>
+              <a:spcAft>
+                <a:spcPts val="0"/>
+              </a:spcAft>
+              <a:buNone/>
+            </a:pPr>
+            <a:r>
+              <a:t/>
+            </a:r>
+            <a:endParaRPr/>
+          </a:p>
+        </p:txBody>
+      </p:sp>
+    </p:spTree>
+  </p:cSld>
+  <p:clrMapOvr>
+    <a:masterClrMapping/>
+  </p:clrMapOvr>
+</p:notes>
+</file>
+
+<file path=ppt/notesSlides/notesSlide13.xml><?xml version="1.0" encoding="utf-8"?>
+<p:notes xmlns:a="http://schemas.openxmlformats.org/drawingml/2006/main" xmlns:r="http://schemas.openxmlformats.org/officeDocument/2006/relationships" xmlns:mc="http://schemas.openxmlformats.org/markup-compatibility/2006" xmlns:mv="urn:schemas-microsoft-com:mac:vml" xmlns:p="http://schemas.openxmlformats.org/presentationml/2006/main" xmlns:c="http://schemas.openxmlformats.org/drawingml/2006/chart" xmlns:dgm="http://schemas.openxmlformats.org/drawingml/2006/diagram" xmlns:o="urn:schemas-microsoft-com:office:office" xmlns:v="urn:schemas-microsoft-com:vml" xmlns:pvml="urn:schemas-microsoft-com:office:powerpoint" xmlns:com="http://schemas.openxmlformats.org/drawingml/2006/compatibility" xmlns:p14="http://schemas.microsoft.com/office/powerpoint/2010/main" xmlns:p15="http://schemas.microsoft.com/office/powerpoint/2012/main" xmlns:ahyp="http://schemas.microsoft.com/office/drawing/2018/hyperlinkcolor" showMasterPhAnim="0" showMasterSp="0">
+  <p:cSld>
+    <p:spTree>
+      <p:nvGrpSpPr>
+        <p:cNvPr id="191" name="Shape 191"/>
+        <p:cNvGrpSpPr/>
+        <p:nvPr/>
+      </p:nvGrpSpPr>
+      <p:grpSpPr>
+        <a:xfrm>
+          <a:off x="0" y="0"/>
+          <a:ext cx="0" cy="0"/>
+          <a:chOff x="0" y="0"/>
+          <a:chExt cx="0" cy="0"/>
+        </a:xfrm>
+      </p:grpSpPr>
+      <p:sp>
+        <p:nvSpPr>
+          <p:cNvPr id="192" name="Google Shape;192;g328027dfd6c_3_45:notes"/>
+          <p:cNvSpPr/>
+          <p:nvPr>
+            <p:ph idx="2" type="sldImg"/>
+          </p:nvPr>
+        </p:nvSpPr>
+        <p:spPr>
+          <a:xfrm>
+            <a:off x="381300" y="685800"/>
+            <a:ext cx="6096000" cy="3429000"/>
+          </a:xfrm>
+          <a:custGeom>
+            <a:rect b="b" l="l" r="r" t="t"/>
+            <a:pathLst>
+              <a:path extrusionOk="0" h="120000" w="120000">
+                <a:moveTo>
+                  <a:pt x="0" y="0"/>
+                </a:moveTo>
+                <a:lnTo>
+                  <a:pt x="120000" y="0"/>
+                </a:lnTo>
+                <a:lnTo>
+                  <a:pt x="120000" y="120000"/>
+                </a:lnTo>
+                <a:lnTo>
+                  <a:pt x="0" y="120000"/>
+                </a:lnTo>
+                <a:close/>
+              </a:path>
+            </a:pathLst>
+          </a:custGeom>
+        </p:spPr>
+      </p:sp>
+      <p:sp>
+        <p:nvSpPr>
+          <p:cNvPr id="193" name="Google Shape;193;g328027dfd6c_3_45:notes"/>
           <p:cNvSpPr txBox="1"/>
           <p:nvPr>
             <p:ph idx="1" type="body"/>
@@ -1520,7 +1720,7 @@
       </p:grpSpPr>
       <p:sp>
         <p:nvSpPr>
-          <p:cNvPr id="148" name="Google Shape;148;g328027dfd6c_3_77:notes"/>
+          <p:cNvPr id="148" name="Google Shape;148;g3282d4c826e_0_17:notes"/>
           <p:cNvSpPr/>
           <p:nvPr>
             <p:ph idx="2" type="sldImg"/>
@@ -1555,7 +1755,7 @@
       </p:sp>
       <p:sp>
         <p:nvSpPr>
-          <p:cNvPr id="149" name="Google Shape;149;g328027dfd6c_3_77:notes"/>
+          <p:cNvPr id="149" name="Google Shape;149;g3282d4c826e_0_17:notes"/>
           <p:cNvSpPr txBox="1"/>
           <p:nvPr>
             <p:ph idx="1" type="body"/>
@@ -1605,7 +1805,7 @@
   <p:cSld>
     <p:spTree>
       <p:nvGrpSpPr>
-        <p:cNvPr id="154" name="Shape 154"/>
+        <p:cNvPr id="156" name="Shape 156"/>
         <p:cNvGrpSpPr/>
         <p:nvPr/>
       </p:nvGrpSpPr>
@@ -1619,7 +1819,7 @@
       </p:grpSpPr>
       <p:sp>
         <p:nvSpPr>
-          <p:cNvPr id="155" name="Google Shape;155;g328027dfd6c_3_86:notes"/>
+          <p:cNvPr id="157" name="Google Shape;157;g3282d4c826e_0_7:notes"/>
           <p:cNvSpPr/>
           <p:nvPr>
             <p:ph idx="2" type="sldImg"/>
@@ -1654,7 +1854,7 @@
       </p:sp>
       <p:sp>
         <p:nvSpPr>
-          <p:cNvPr id="156" name="Google Shape;156;g328027dfd6c_3_86:notes"/>
+          <p:cNvPr id="158" name="Google Shape;158;g3282d4c826e_0_7:notes"/>
           <p:cNvSpPr txBox="1"/>
           <p:nvPr>
             <p:ph idx="1" type="body"/>
@@ -1704,7 +1904,7 @@
   <p:cSld>
     <p:spTree>
       <p:nvGrpSpPr>
-        <p:cNvPr id="160" name="Shape 160"/>
+        <p:cNvPr id="165" name="Shape 165"/>
         <p:cNvGrpSpPr/>
         <p:nvPr/>
       </p:nvGrpSpPr>
@@ -1718,7 +1918,7 @@
       </p:grpSpPr>
       <p:sp>
         <p:nvSpPr>
-          <p:cNvPr id="161" name="Google Shape;161;g328027dfd6c_3_24:notes"/>
+          <p:cNvPr id="166" name="Google Shape;166;g328027dfd6c_3_77:notes"/>
           <p:cNvSpPr/>
           <p:nvPr>
             <p:ph idx="2" type="sldImg"/>
@@ -1753,7 +1953,7 @@
       </p:sp>
       <p:sp>
         <p:nvSpPr>
-          <p:cNvPr id="162" name="Google Shape;162;g328027dfd6c_3_24:notes"/>
+          <p:cNvPr id="167" name="Google Shape;167;g328027dfd6c_3_77:notes"/>
           <p:cNvSpPr txBox="1"/>
           <p:nvPr>
             <p:ph idx="1" type="body"/>
@@ -11682,16 +11882,48 @@
               <a:buNone/>
             </a:pPr>
             <a:r>
-              <a:rPr lang="ru" sz="2500">
+              <a:rPr lang="ru" sz="1800">
                 <a:solidFill>
                   <a:schemeClr val="dk1"/>
                 </a:solidFill>
-                <a:latin typeface="Oswald"/>
-                <a:ea typeface="Oswald"/>
-                <a:cs typeface="Oswald"/>
-                <a:sym typeface="Oswald"/>
+                <a:latin typeface="Oswald SemiBold"/>
+                <a:ea typeface="Oswald SemiBold"/>
+                <a:cs typeface="Oswald SemiBold"/>
+                <a:sym typeface="Oswald SemiBold"/>
               </a:rPr>
-              <a:t>&lt;/MY PROJECT NAME&gt;</a:t>
+              <a:t>Screen Time and Well-being: Exploring</a:t>
+            </a:r>
+            <a:endParaRPr sz="1800">
+              <a:solidFill>
+                <a:schemeClr val="dk1"/>
+              </a:solidFill>
+              <a:latin typeface="Oswald SemiBold"/>
+              <a:ea typeface="Oswald SemiBold"/>
+              <a:cs typeface="Oswald SemiBold"/>
+              <a:sym typeface="Oswald SemiBold"/>
+            </a:endParaRPr>
+          </a:p>
+          <a:p>
+            <a:pPr indent="457200" lvl="0" marL="457200" rtl="0" algn="ctr">
+              <a:spcBef>
+                <a:spcPts val="0"/>
+              </a:spcBef>
+              <a:spcAft>
+                <a:spcPts val="0"/>
+              </a:spcAft>
+              <a:buNone/>
+            </a:pPr>
+            <a:r>
+              <a:rPr lang="ru" sz="1800">
+                <a:solidFill>
+                  <a:schemeClr val="dk1"/>
+                </a:solidFill>
+                <a:latin typeface="Oswald SemiBold"/>
+                <a:ea typeface="Oswald SemiBold"/>
+                <a:cs typeface="Oswald SemiBold"/>
+                <a:sym typeface="Oswald SemiBold"/>
+              </a:rPr>
+              <a:t> Smartphone Usage Patterns and Business Opportunities</a:t>
             </a:r>
             <a:endParaRPr sz="2500">
               <a:solidFill>
@@ -11888,7 +12120,7 @@
     </p:bg>
     <p:spTree>
       <p:nvGrpSpPr>
-        <p:cNvPr id="169" name="Shape 169"/>
+        <p:cNvPr id="175" name="Shape 175"/>
         <p:cNvGrpSpPr/>
         <p:nvPr/>
       </p:nvGrpSpPr>
@@ -11902,7 +12134,243 @@
       </p:grpSpPr>
       <p:sp>
         <p:nvSpPr>
-          <p:cNvPr id="170" name="Google Shape;170;p34"/>
+          <p:cNvPr id="176" name="Google Shape;176;p34"/>
+          <p:cNvSpPr txBox="1"/>
+          <p:nvPr/>
+        </p:nvSpPr>
+        <p:spPr>
+          <a:xfrm>
+            <a:off x="169775" y="395850"/>
+            <a:ext cx="8919900" cy="461700"/>
+          </a:xfrm>
+          <a:prstGeom prst="rect">
+            <a:avLst/>
+          </a:prstGeom>
+          <a:noFill/>
+          <a:ln>
+            <a:noFill/>
+          </a:ln>
+        </p:spPr>
+        <p:txBody>
+          <a:bodyPr anchorCtr="0" anchor="t" bIns="91425" lIns="91425" spcFirstLastPara="1" rIns="91425" wrap="square" tIns="91425">
+            <a:spAutoFit/>
+          </a:bodyPr>
+          <a:lstStyle/>
+          <a:p>
+            <a:pPr indent="0" lvl="0" marL="0" rtl="0" algn="l">
+              <a:spcBef>
+                <a:spcPts val="0"/>
+              </a:spcBef>
+              <a:spcAft>
+                <a:spcPts val="0"/>
+              </a:spcAft>
+              <a:buNone/>
+            </a:pPr>
+            <a:r>
+              <a:rPr lang="ru" sz="1800">
+                <a:solidFill>
+                  <a:srgbClr val="62524A"/>
+                </a:solidFill>
+                <a:latin typeface="Oswald SemiBold"/>
+                <a:ea typeface="Oswald SemiBold"/>
+                <a:cs typeface="Oswald SemiBold"/>
+                <a:sym typeface="Oswald SemiBold"/>
+              </a:rPr>
+              <a:t>Screen Time and Well-being: Exploring Smartphone Usage Patterns and Business Opportunities</a:t>
+            </a:r>
+            <a:endParaRPr sz="1800">
+              <a:solidFill>
+                <a:srgbClr val="62524A"/>
+              </a:solidFill>
+              <a:latin typeface="Oswald SemiBold"/>
+              <a:ea typeface="Oswald SemiBold"/>
+              <a:cs typeface="Oswald SemiBold"/>
+              <a:sym typeface="Oswald SemiBold"/>
+            </a:endParaRPr>
+          </a:p>
+        </p:txBody>
+      </p:sp>
+      <p:pic>
+        <p:nvPicPr>
+          <p:cNvPr id="177" name="Google Shape;177;p34"/>
+          <p:cNvPicPr preferRelativeResize="0"/>
+          <p:nvPr/>
+        </p:nvPicPr>
+        <p:blipFill>
+          <a:blip r:embed="rId3">
+            <a:alphaModFix/>
+          </a:blip>
+          <a:stretch>
+            <a:fillRect/>
+          </a:stretch>
+        </p:blipFill>
+        <p:spPr>
+          <a:xfrm>
+            <a:off x="601551" y="930050"/>
+            <a:ext cx="7940901" cy="4148174"/>
+          </a:xfrm>
+          <a:prstGeom prst="rect">
+            <a:avLst/>
+          </a:prstGeom>
+          <a:noFill/>
+          <a:ln>
+            <a:noFill/>
+          </a:ln>
+        </p:spPr>
+      </p:pic>
+    </p:spTree>
+  </p:cSld>
+  <p:clrMapOvr>
+    <a:masterClrMapping/>
+  </p:clrMapOvr>
+</p:sld>
+</file>
+
+<file path=ppt/slides/slide11.xml><?xml version="1.0" encoding="utf-8"?>
+<p:sld xmlns:a="http://schemas.openxmlformats.org/drawingml/2006/main" xmlns:r="http://schemas.openxmlformats.org/officeDocument/2006/relationships" xmlns:mc="http://schemas.openxmlformats.org/markup-compatibility/2006" xmlns:mv="urn:schemas-microsoft-com:mac:vml" xmlns:p="http://schemas.openxmlformats.org/presentationml/2006/main" xmlns:c="http://schemas.openxmlformats.org/drawingml/2006/chart" xmlns:dgm="http://schemas.openxmlformats.org/drawingml/2006/diagram" xmlns:o="urn:schemas-microsoft-com:office:office" xmlns:v="urn:schemas-microsoft-com:vml" xmlns:pvml="urn:schemas-microsoft-com:office:powerpoint" xmlns:com="http://schemas.openxmlformats.org/drawingml/2006/compatibility" xmlns:p14="http://schemas.microsoft.com/office/powerpoint/2010/main" xmlns:p15="http://schemas.microsoft.com/office/powerpoint/2012/main" xmlns:ahyp="http://schemas.microsoft.com/office/drawing/2018/hyperlinkcolor">
+  <p:cSld>
+    <p:bg>
+      <p:bgPr>
+        <a:solidFill>
+          <a:schemeClr val="lt2"/>
+        </a:solidFill>
+      </p:bgPr>
+    </p:bg>
+    <p:spTree>
+      <p:nvGrpSpPr>
+        <p:cNvPr id="181" name="Shape 181"/>
+        <p:cNvGrpSpPr/>
+        <p:nvPr/>
+      </p:nvGrpSpPr>
+      <p:grpSpPr>
+        <a:xfrm>
+          <a:off x="0" y="0"/>
+          <a:ext cx="0" cy="0"/>
+          <a:chOff x="0" y="0"/>
+          <a:chExt cx="0" cy="0"/>
+        </a:xfrm>
+      </p:grpSpPr>
+      <p:sp>
+        <p:nvSpPr>
+          <p:cNvPr id="182" name="Google Shape;182;p35"/>
+          <p:cNvSpPr txBox="1"/>
+          <p:nvPr/>
+        </p:nvSpPr>
+        <p:spPr>
+          <a:xfrm>
+            <a:off x="152400" y="375875"/>
+            <a:ext cx="8919900" cy="461700"/>
+          </a:xfrm>
+          <a:prstGeom prst="rect">
+            <a:avLst/>
+          </a:prstGeom>
+          <a:noFill/>
+          <a:ln>
+            <a:noFill/>
+          </a:ln>
+        </p:spPr>
+        <p:txBody>
+          <a:bodyPr anchorCtr="0" anchor="t" bIns="91425" lIns="91425" spcFirstLastPara="1" rIns="91425" wrap="square" tIns="91425">
+            <a:spAutoFit/>
+          </a:bodyPr>
+          <a:lstStyle/>
+          <a:p>
+            <a:pPr indent="0" lvl="0" marL="0" rtl="0" algn="l">
+              <a:spcBef>
+                <a:spcPts val="0"/>
+              </a:spcBef>
+              <a:spcAft>
+                <a:spcPts val="0"/>
+              </a:spcAft>
+              <a:buNone/>
+            </a:pPr>
+            <a:r>
+              <a:rPr lang="ru" sz="1800">
+                <a:solidFill>
+                  <a:srgbClr val="62524A"/>
+                </a:solidFill>
+                <a:latin typeface="Oswald SemiBold"/>
+                <a:ea typeface="Oswald SemiBold"/>
+                <a:cs typeface="Oswald SemiBold"/>
+                <a:sym typeface="Oswald SemiBold"/>
+              </a:rPr>
+              <a:t>Screen Time and Well-being: Exploring Smartphone Usage Patterns and Business Opportunities</a:t>
+            </a:r>
+            <a:endParaRPr sz="1800">
+              <a:solidFill>
+                <a:srgbClr val="62524A"/>
+              </a:solidFill>
+              <a:latin typeface="Oswald SemiBold"/>
+              <a:ea typeface="Oswald SemiBold"/>
+              <a:cs typeface="Oswald SemiBold"/>
+              <a:sym typeface="Oswald SemiBold"/>
+            </a:endParaRPr>
+          </a:p>
+        </p:txBody>
+      </p:sp>
+      <p:pic>
+        <p:nvPicPr>
+          <p:cNvPr id="183" name="Google Shape;183;p35"/>
+          <p:cNvPicPr preferRelativeResize="0"/>
+          <p:nvPr/>
+        </p:nvPicPr>
+        <p:blipFill>
+          <a:blip r:embed="rId3">
+            <a:alphaModFix/>
+          </a:blip>
+          <a:stretch>
+            <a:fillRect/>
+          </a:stretch>
+        </p:blipFill>
+        <p:spPr>
+          <a:xfrm>
+            <a:off x="152400" y="1009950"/>
+            <a:ext cx="8839199" cy="3897841"/>
+          </a:xfrm>
+          <a:prstGeom prst="rect">
+            <a:avLst/>
+          </a:prstGeom>
+          <a:noFill/>
+          <a:ln>
+            <a:noFill/>
+          </a:ln>
+        </p:spPr>
+      </p:pic>
+    </p:spTree>
+  </p:cSld>
+  <p:clrMapOvr>
+    <a:masterClrMapping/>
+  </p:clrMapOvr>
+</p:sld>
+</file>
+
+<file path=ppt/slides/slide12.xml><?xml version="1.0" encoding="utf-8"?>
+<p:sld xmlns:a="http://schemas.openxmlformats.org/drawingml/2006/main" xmlns:r="http://schemas.openxmlformats.org/officeDocument/2006/relationships" xmlns:mc="http://schemas.openxmlformats.org/markup-compatibility/2006" xmlns:mv="urn:schemas-microsoft-com:mac:vml" xmlns:p="http://schemas.openxmlformats.org/presentationml/2006/main" xmlns:c="http://schemas.openxmlformats.org/drawingml/2006/chart" xmlns:dgm="http://schemas.openxmlformats.org/drawingml/2006/diagram" xmlns:o="urn:schemas-microsoft-com:office:office" xmlns:v="urn:schemas-microsoft-com:vml" xmlns:pvml="urn:schemas-microsoft-com:office:powerpoint" xmlns:com="http://schemas.openxmlformats.org/drawingml/2006/compatibility" xmlns:p14="http://schemas.microsoft.com/office/powerpoint/2010/main" xmlns:p15="http://schemas.microsoft.com/office/powerpoint/2012/main" xmlns:ahyp="http://schemas.microsoft.com/office/drawing/2018/hyperlinkcolor">
+  <p:cSld>
+    <p:bg>
+      <p:bgPr>
+        <a:solidFill>
+          <a:schemeClr val="lt2"/>
+        </a:solidFill>
+      </p:bgPr>
+    </p:bg>
+    <p:spTree>
+      <p:nvGrpSpPr>
+        <p:cNvPr id="187" name="Shape 187"/>
+        <p:cNvGrpSpPr/>
+        <p:nvPr/>
+      </p:nvGrpSpPr>
+      <p:grpSpPr>
+        <a:xfrm>
+          <a:off x="0" y="0"/>
+          <a:ext cx="0" cy="0"/>
+          <a:chOff x="0" y="0"/>
+          <a:chExt cx="0" cy="0"/>
+        </a:xfrm>
+      </p:grpSpPr>
+      <p:sp>
+        <p:nvSpPr>
+          <p:cNvPr id="188" name="Google Shape;188;p36"/>
           <p:cNvSpPr txBox="1"/>
           <p:nvPr/>
         </p:nvSpPr>
@@ -11960,7 +12428,7 @@
       </p:sp>
       <p:sp>
         <p:nvSpPr>
-          <p:cNvPr id="171" name="Google Shape;171;p34"/>
+          <p:cNvPr id="189" name="Google Shape;189;p36"/>
           <p:cNvSpPr txBox="1"/>
           <p:nvPr/>
         </p:nvSpPr>
@@ -12030,7 +12498,7 @@
       </p:sp>
       <p:sp>
         <p:nvSpPr>
-          <p:cNvPr id="172" name="Google Shape;172;p34"/>
+          <p:cNvPr id="190" name="Google Shape;190;p36"/>
           <p:cNvSpPr txBox="1"/>
           <p:nvPr/>
         </p:nvSpPr>
@@ -12319,7 +12787,7 @@
 </p:sld>
 </file>
 
-<file path=ppt/slides/slide11.xml><?xml version="1.0" encoding="utf-8"?>
+<file path=ppt/slides/slide13.xml><?xml version="1.0" encoding="utf-8"?>
 <p:sld xmlns:a="http://schemas.openxmlformats.org/drawingml/2006/main" xmlns:r="http://schemas.openxmlformats.org/officeDocument/2006/relationships" xmlns:mc="http://schemas.openxmlformats.org/markup-compatibility/2006" xmlns:mv="urn:schemas-microsoft-com:mac:vml" xmlns:p="http://schemas.openxmlformats.org/presentationml/2006/main" xmlns:c="http://schemas.openxmlformats.org/drawingml/2006/chart" xmlns:dgm="http://schemas.openxmlformats.org/drawingml/2006/diagram" xmlns:o="urn:schemas-microsoft-com:office:office" xmlns:v="urn:schemas-microsoft-com:vml" xmlns:pvml="urn:schemas-microsoft-com:office:powerpoint" xmlns:com="http://schemas.openxmlformats.org/drawingml/2006/compatibility" xmlns:p14="http://schemas.microsoft.com/office/powerpoint/2010/main" xmlns:p15="http://schemas.microsoft.com/office/powerpoint/2012/main" xmlns:ahyp="http://schemas.microsoft.com/office/drawing/2018/hyperlinkcolor">
   <p:cSld>
     <p:bg>
@@ -12331,7 +12799,7 @@
     </p:bg>
     <p:spTree>
       <p:nvGrpSpPr>
-        <p:cNvPr id="176" name="Shape 176"/>
+        <p:cNvPr id="194" name="Shape 194"/>
         <p:cNvGrpSpPr/>
         <p:nvPr/>
       </p:nvGrpSpPr>
@@ -12345,7 +12813,7 @@
       </p:grpSpPr>
       <p:sp>
         <p:nvSpPr>
-          <p:cNvPr id="177" name="Google Shape;177;p35"/>
+          <p:cNvPr id="195" name="Google Shape;195;p37"/>
           <p:cNvSpPr txBox="1"/>
           <p:nvPr/>
         </p:nvSpPr>
@@ -12403,7 +12871,7 @@
       </p:sp>
       <p:sp>
         <p:nvSpPr>
-          <p:cNvPr id="178" name="Google Shape;178;p35"/>
+          <p:cNvPr id="196" name="Google Shape;196;p37"/>
           <p:cNvSpPr txBox="1"/>
           <p:nvPr/>
         </p:nvSpPr>
@@ -12461,7 +12929,7 @@
       </p:sp>
       <p:sp>
         <p:nvSpPr>
-          <p:cNvPr id="179" name="Google Shape;179;p35"/>
+          <p:cNvPr id="197" name="Google Shape;197;p37"/>
           <p:cNvSpPr txBox="1"/>
           <p:nvPr/>
         </p:nvSpPr>
@@ -14914,6 +15382,546 @@
         </p:nvSpPr>
         <p:spPr>
           <a:xfrm>
+            <a:off x="449425" y="1808150"/>
+            <a:ext cx="7601400" cy="1225200"/>
+          </a:xfrm>
+          <a:prstGeom prst="rect">
+            <a:avLst/>
+          </a:prstGeom>
+          <a:noFill/>
+          <a:ln>
+            <a:noFill/>
+          </a:ln>
+        </p:spPr>
+        <p:txBody>
+          <a:bodyPr anchorCtr="0" anchor="t" bIns="91425" lIns="91425" spcFirstLastPara="1" rIns="91425" wrap="square" tIns="91425">
+            <a:spAutoFit/>
+          </a:bodyPr>
+          <a:lstStyle/>
+          <a:p>
+            <a:pPr indent="0" lvl="0" marL="0" marR="0" rtl="0" algn="l">
+              <a:lnSpc>
+                <a:spcPct val="115000"/>
+              </a:lnSpc>
+              <a:spcBef>
+                <a:spcPts val="0"/>
+              </a:spcBef>
+              <a:spcAft>
+                <a:spcPts val="0"/>
+              </a:spcAft>
+              <a:buNone/>
+            </a:pPr>
+            <a:r>
+              <a:t/>
+            </a:r>
+            <a:endParaRPr sz="1000">
+              <a:solidFill>
+                <a:schemeClr val="dk1"/>
+              </a:solidFill>
+            </a:endParaRPr>
+          </a:p>
+          <a:p>
+            <a:pPr indent="0" lvl="0" marL="0" rtl="0" algn="l">
+              <a:lnSpc>
+                <a:spcPct val="115000"/>
+              </a:lnSpc>
+              <a:spcBef>
+                <a:spcPts val="0"/>
+              </a:spcBef>
+              <a:spcAft>
+                <a:spcPts val="0"/>
+              </a:spcAft>
+              <a:buNone/>
+            </a:pPr>
+            <a:r>
+              <a:t/>
+            </a:r>
+            <a:endParaRPr b="1" sz="1700">
+              <a:solidFill>
+                <a:srgbClr val="62524A"/>
+              </a:solidFill>
+              <a:latin typeface="Oswald"/>
+              <a:ea typeface="Oswald"/>
+              <a:cs typeface="Oswald"/>
+              <a:sym typeface="Oswald"/>
+            </a:endParaRPr>
+          </a:p>
+          <a:p>
+            <a:pPr indent="0" lvl="0" marL="0" rtl="0" algn="l">
+              <a:lnSpc>
+                <a:spcPct val="115000"/>
+              </a:lnSpc>
+              <a:spcBef>
+                <a:spcPts val="0"/>
+              </a:spcBef>
+              <a:spcAft>
+                <a:spcPts val="0"/>
+              </a:spcAft>
+              <a:buNone/>
+            </a:pPr>
+            <a:r>
+              <a:t/>
+            </a:r>
+            <a:endParaRPr b="1" sz="1700">
+              <a:solidFill>
+                <a:srgbClr val="62524A"/>
+              </a:solidFill>
+              <a:latin typeface="Oswald"/>
+              <a:ea typeface="Oswald"/>
+              <a:cs typeface="Oswald"/>
+              <a:sym typeface="Oswald"/>
+            </a:endParaRPr>
+          </a:p>
+          <a:p>
+            <a:pPr indent="0" lvl="0" marL="457200" rtl="0" algn="l">
+              <a:lnSpc>
+                <a:spcPct val="115000"/>
+              </a:lnSpc>
+              <a:spcBef>
+                <a:spcPts val="0"/>
+              </a:spcBef>
+              <a:spcAft>
+                <a:spcPts val="0"/>
+              </a:spcAft>
+              <a:buNone/>
+            </a:pPr>
+            <a:r>
+              <a:t/>
+            </a:r>
+            <a:endParaRPr sz="1700">
+              <a:solidFill>
+                <a:srgbClr val="62524A"/>
+              </a:solidFill>
+              <a:latin typeface="Oswald"/>
+              <a:ea typeface="Oswald"/>
+              <a:cs typeface="Oswald"/>
+              <a:sym typeface="Oswald"/>
+            </a:endParaRPr>
+          </a:p>
+        </p:txBody>
+      </p:sp>
+      <p:sp>
+        <p:nvSpPr>
+          <p:cNvPr id="153" name="Google Shape;153;p31"/>
+          <p:cNvSpPr txBox="1"/>
+          <p:nvPr/>
+        </p:nvSpPr>
+        <p:spPr>
+          <a:xfrm>
+            <a:off x="309600" y="1217250"/>
+            <a:ext cx="5694000" cy="461700"/>
+          </a:xfrm>
+          <a:prstGeom prst="rect">
+            <a:avLst/>
+          </a:prstGeom>
+          <a:noFill/>
+          <a:ln>
+            <a:noFill/>
+          </a:ln>
+        </p:spPr>
+        <p:txBody>
+          <a:bodyPr anchorCtr="0" anchor="t" bIns="91425" lIns="91425" spcFirstLastPara="1" rIns="91425" wrap="square" tIns="91425">
+            <a:spAutoFit/>
+          </a:bodyPr>
+          <a:lstStyle/>
+          <a:p>
+            <a:pPr indent="0" lvl="0" marL="0" rtl="0" algn="l">
+              <a:spcBef>
+                <a:spcPts val="0"/>
+              </a:spcBef>
+              <a:spcAft>
+                <a:spcPts val="0"/>
+              </a:spcAft>
+              <a:buNone/>
+            </a:pPr>
+            <a:r>
+              <a:rPr b="1" lang="ru" sz="1800">
+                <a:solidFill>
+                  <a:srgbClr val="A5769C"/>
+                </a:solidFill>
+                <a:latin typeface="Oswald"/>
+                <a:ea typeface="Oswald"/>
+                <a:cs typeface="Oswald"/>
+                <a:sym typeface="Oswald"/>
+              </a:rPr>
+              <a:t>Feature Correlations / Machine Learning</a:t>
+            </a:r>
+            <a:r>
+              <a:rPr lang="ru" sz="1100">
+                <a:solidFill>
+                  <a:schemeClr val="dk1"/>
+                </a:solidFill>
+              </a:rPr>
+              <a:t>:</a:t>
+            </a:r>
+            <a:endParaRPr b="1" sz="1800">
+              <a:solidFill>
+                <a:srgbClr val="A5769C"/>
+              </a:solidFill>
+              <a:latin typeface="Oswald"/>
+              <a:ea typeface="Oswald"/>
+              <a:cs typeface="Oswald"/>
+              <a:sym typeface="Oswald"/>
+            </a:endParaRPr>
+          </a:p>
+        </p:txBody>
+      </p:sp>
+      <p:pic>
+        <p:nvPicPr>
+          <p:cNvPr id="154" name="Google Shape;154;p31"/>
+          <p:cNvPicPr preferRelativeResize="0"/>
+          <p:nvPr/>
+        </p:nvPicPr>
+        <p:blipFill>
+          <a:blip r:embed="rId3">
+            <a:alphaModFix/>
+          </a:blip>
+          <a:stretch>
+            <a:fillRect/>
+          </a:stretch>
+        </p:blipFill>
+        <p:spPr>
+          <a:xfrm>
+            <a:off x="169775" y="1747575"/>
+            <a:ext cx="6544400" cy="1530500"/>
+          </a:xfrm>
+          <a:prstGeom prst="rect">
+            <a:avLst/>
+          </a:prstGeom>
+          <a:noFill/>
+          <a:ln>
+            <a:noFill/>
+          </a:ln>
+        </p:spPr>
+      </p:pic>
+      <p:pic>
+        <p:nvPicPr>
+          <p:cNvPr id="155" name="Google Shape;155;p31"/>
+          <p:cNvPicPr preferRelativeResize="0"/>
+          <p:nvPr/>
+        </p:nvPicPr>
+        <p:blipFill>
+          <a:blip r:embed="rId4">
+            <a:alphaModFix/>
+          </a:blip>
+          <a:stretch>
+            <a:fillRect/>
+          </a:stretch>
+        </p:blipFill>
+        <p:spPr>
+          <a:xfrm>
+            <a:off x="1830250" y="3470425"/>
+            <a:ext cx="6553200" cy="1266825"/>
+          </a:xfrm>
+          <a:prstGeom prst="rect">
+            <a:avLst/>
+          </a:prstGeom>
+          <a:noFill/>
+          <a:ln>
+            <a:noFill/>
+          </a:ln>
+        </p:spPr>
+      </p:pic>
+    </p:spTree>
+  </p:cSld>
+  <p:clrMapOvr>
+    <a:masterClrMapping/>
+  </p:clrMapOvr>
+</p:sld>
+</file>
+
+<file path=ppt/slides/slide8.xml><?xml version="1.0" encoding="utf-8"?>
+<p:sld xmlns:a="http://schemas.openxmlformats.org/drawingml/2006/main" xmlns:r="http://schemas.openxmlformats.org/officeDocument/2006/relationships" xmlns:mc="http://schemas.openxmlformats.org/markup-compatibility/2006" xmlns:mv="urn:schemas-microsoft-com:mac:vml" xmlns:p="http://schemas.openxmlformats.org/presentationml/2006/main" xmlns:c="http://schemas.openxmlformats.org/drawingml/2006/chart" xmlns:dgm="http://schemas.openxmlformats.org/drawingml/2006/diagram" xmlns:o="urn:schemas-microsoft-com:office:office" xmlns:v="urn:schemas-microsoft-com:vml" xmlns:pvml="urn:schemas-microsoft-com:office:powerpoint" xmlns:com="http://schemas.openxmlformats.org/drawingml/2006/compatibility" xmlns:p14="http://schemas.microsoft.com/office/powerpoint/2010/main" xmlns:p15="http://schemas.microsoft.com/office/powerpoint/2012/main" xmlns:ahyp="http://schemas.microsoft.com/office/drawing/2018/hyperlinkcolor">
+  <p:cSld>
+    <p:bg>
+      <p:bgPr>
+        <a:solidFill>
+          <a:schemeClr val="lt2"/>
+        </a:solidFill>
+      </p:bgPr>
+    </p:bg>
+    <p:spTree>
+      <p:nvGrpSpPr>
+        <p:cNvPr id="159" name="Shape 159"/>
+        <p:cNvGrpSpPr/>
+        <p:nvPr/>
+      </p:nvGrpSpPr>
+      <p:grpSpPr>
+        <a:xfrm>
+          <a:off x="0" y="0"/>
+          <a:ext cx="0" cy="0"/>
+          <a:chOff x="0" y="0"/>
+          <a:chExt cx="0" cy="0"/>
+        </a:xfrm>
+      </p:grpSpPr>
+      <p:sp>
+        <p:nvSpPr>
+          <p:cNvPr id="160" name="Google Shape;160;p32"/>
+          <p:cNvSpPr txBox="1"/>
+          <p:nvPr/>
+        </p:nvSpPr>
+        <p:spPr>
+          <a:xfrm>
+            <a:off x="169775" y="395850"/>
+            <a:ext cx="8919900" cy="461700"/>
+          </a:xfrm>
+          <a:prstGeom prst="rect">
+            <a:avLst/>
+          </a:prstGeom>
+          <a:noFill/>
+          <a:ln>
+            <a:noFill/>
+          </a:ln>
+        </p:spPr>
+        <p:txBody>
+          <a:bodyPr anchorCtr="0" anchor="t" bIns="91425" lIns="91425" spcFirstLastPara="1" rIns="91425" wrap="square" tIns="91425">
+            <a:spAutoFit/>
+          </a:bodyPr>
+          <a:lstStyle/>
+          <a:p>
+            <a:pPr indent="0" lvl="0" marL="0" rtl="0" algn="l">
+              <a:spcBef>
+                <a:spcPts val="0"/>
+              </a:spcBef>
+              <a:spcAft>
+                <a:spcPts val="0"/>
+              </a:spcAft>
+              <a:buNone/>
+            </a:pPr>
+            <a:r>
+              <a:rPr lang="ru" sz="1800">
+                <a:solidFill>
+                  <a:srgbClr val="62524A"/>
+                </a:solidFill>
+                <a:latin typeface="Oswald SemiBold"/>
+                <a:ea typeface="Oswald SemiBold"/>
+                <a:cs typeface="Oswald SemiBold"/>
+                <a:sym typeface="Oswald SemiBold"/>
+              </a:rPr>
+              <a:t>Screen Time and Well-being: Exploring Smartphone Usage Patterns and Business Opportunities</a:t>
+            </a:r>
+            <a:endParaRPr sz="1800">
+              <a:solidFill>
+                <a:srgbClr val="62524A"/>
+              </a:solidFill>
+              <a:latin typeface="Oswald SemiBold"/>
+              <a:ea typeface="Oswald SemiBold"/>
+              <a:cs typeface="Oswald SemiBold"/>
+              <a:sym typeface="Oswald SemiBold"/>
+            </a:endParaRPr>
+          </a:p>
+        </p:txBody>
+      </p:sp>
+      <p:pic>
+        <p:nvPicPr>
+          <p:cNvPr id="161" name="Google Shape;161;p32"/>
+          <p:cNvPicPr preferRelativeResize="0"/>
+          <p:nvPr/>
+        </p:nvPicPr>
+        <p:blipFill>
+          <a:blip r:embed="rId3">
+            <a:alphaModFix/>
+          </a:blip>
+          <a:stretch>
+            <a:fillRect/>
+          </a:stretch>
+        </p:blipFill>
+        <p:spPr>
+          <a:xfrm>
+            <a:off x="689150" y="1090326"/>
+            <a:ext cx="3049476" cy="1910350"/>
+          </a:xfrm>
+          <a:prstGeom prst="rect">
+            <a:avLst/>
+          </a:prstGeom>
+          <a:noFill/>
+          <a:ln>
+            <a:noFill/>
+          </a:ln>
+        </p:spPr>
+      </p:pic>
+      <p:pic>
+        <p:nvPicPr>
+          <p:cNvPr id="162" name="Google Shape;162;p32"/>
+          <p:cNvPicPr preferRelativeResize="0"/>
+          <p:nvPr/>
+        </p:nvPicPr>
+        <p:blipFill>
+          <a:blip r:embed="rId4">
+            <a:alphaModFix/>
+          </a:blip>
+          <a:stretch>
+            <a:fillRect/>
+          </a:stretch>
+        </p:blipFill>
+        <p:spPr>
+          <a:xfrm>
+            <a:off x="5223050" y="1099850"/>
+            <a:ext cx="3049474" cy="1910350"/>
+          </a:xfrm>
+          <a:prstGeom prst="rect">
+            <a:avLst/>
+          </a:prstGeom>
+          <a:noFill/>
+          <a:ln>
+            <a:noFill/>
+          </a:ln>
+        </p:spPr>
+      </p:pic>
+      <p:pic>
+        <p:nvPicPr>
+          <p:cNvPr id="163" name="Google Shape;163;p32"/>
+          <p:cNvPicPr preferRelativeResize="0"/>
+          <p:nvPr/>
+        </p:nvPicPr>
+        <p:blipFill>
+          <a:blip r:embed="rId5">
+            <a:alphaModFix/>
+          </a:blip>
+          <a:stretch>
+            <a:fillRect/>
+          </a:stretch>
+        </p:blipFill>
+        <p:spPr>
+          <a:xfrm>
+            <a:off x="689150" y="3265650"/>
+            <a:ext cx="3049476" cy="1755400"/>
+          </a:xfrm>
+          <a:prstGeom prst="rect">
+            <a:avLst/>
+          </a:prstGeom>
+          <a:noFill/>
+          <a:ln>
+            <a:noFill/>
+          </a:ln>
+        </p:spPr>
+      </p:pic>
+      <p:pic>
+        <p:nvPicPr>
+          <p:cNvPr id="164" name="Google Shape;164;p32"/>
+          <p:cNvPicPr preferRelativeResize="0"/>
+          <p:nvPr/>
+        </p:nvPicPr>
+        <p:blipFill>
+          <a:blip r:embed="rId6">
+            <a:alphaModFix/>
+          </a:blip>
+          <a:stretch>
+            <a:fillRect/>
+          </a:stretch>
+        </p:blipFill>
+        <p:spPr>
+          <a:xfrm>
+            <a:off x="5223050" y="3265650"/>
+            <a:ext cx="3097550" cy="1815349"/>
+          </a:xfrm>
+          <a:prstGeom prst="rect">
+            <a:avLst/>
+          </a:prstGeom>
+          <a:noFill/>
+          <a:ln>
+            <a:noFill/>
+          </a:ln>
+        </p:spPr>
+      </p:pic>
+    </p:spTree>
+  </p:cSld>
+  <p:clrMapOvr>
+    <a:masterClrMapping/>
+  </p:clrMapOvr>
+</p:sld>
+</file>
+
+<file path=ppt/slides/slide9.xml><?xml version="1.0" encoding="utf-8"?>
+<p:sld xmlns:a="http://schemas.openxmlformats.org/drawingml/2006/main" xmlns:r="http://schemas.openxmlformats.org/officeDocument/2006/relationships" xmlns:mc="http://schemas.openxmlformats.org/markup-compatibility/2006" xmlns:mv="urn:schemas-microsoft-com:mac:vml" xmlns:p="http://schemas.openxmlformats.org/presentationml/2006/main" xmlns:c="http://schemas.openxmlformats.org/drawingml/2006/chart" xmlns:dgm="http://schemas.openxmlformats.org/drawingml/2006/diagram" xmlns:o="urn:schemas-microsoft-com:office:office" xmlns:v="urn:schemas-microsoft-com:vml" xmlns:pvml="urn:schemas-microsoft-com:office:powerpoint" xmlns:com="http://schemas.openxmlformats.org/drawingml/2006/compatibility" xmlns:p14="http://schemas.microsoft.com/office/powerpoint/2010/main" xmlns:p15="http://schemas.microsoft.com/office/powerpoint/2012/main" xmlns:ahyp="http://schemas.microsoft.com/office/drawing/2018/hyperlinkcolor">
+  <p:cSld>
+    <p:bg>
+      <p:bgPr>
+        <a:solidFill>
+          <a:schemeClr val="lt2"/>
+        </a:solidFill>
+      </p:bgPr>
+    </p:bg>
+    <p:spTree>
+      <p:nvGrpSpPr>
+        <p:cNvPr id="168" name="Shape 168"/>
+        <p:cNvGrpSpPr/>
+        <p:nvPr/>
+      </p:nvGrpSpPr>
+      <p:grpSpPr>
+        <a:xfrm>
+          <a:off x="0" y="0"/>
+          <a:ext cx="0" cy="0"/>
+          <a:chOff x="0" y="0"/>
+          <a:chExt cx="0" cy="0"/>
+        </a:xfrm>
+      </p:grpSpPr>
+      <p:sp>
+        <p:nvSpPr>
+          <p:cNvPr id="169" name="Google Shape;169;p33"/>
+          <p:cNvSpPr txBox="1"/>
+          <p:nvPr/>
+        </p:nvSpPr>
+        <p:spPr>
+          <a:xfrm>
+            <a:off x="169775" y="395850"/>
+            <a:ext cx="8919900" cy="461700"/>
+          </a:xfrm>
+          <a:prstGeom prst="rect">
+            <a:avLst/>
+          </a:prstGeom>
+          <a:noFill/>
+          <a:ln>
+            <a:noFill/>
+          </a:ln>
+        </p:spPr>
+        <p:txBody>
+          <a:bodyPr anchorCtr="0" anchor="t" bIns="91425" lIns="91425" spcFirstLastPara="1" rIns="91425" wrap="square" tIns="91425">
+            <a:spAutoFit/>
+          </a:bodyPr>
+          <a:lstStyle/>
+          <a:p>
+            <a:pPr indent="0" lvl="0" marL="0" rtl="0" algn="l">
+              <a:spcBef>
+                <a:spcPts val="0"/>
+              </a:spcBef>
+              <a:spcAft>
+                <a:spcPts val="0"/>
+              </a:spcAft>
+              <a:buNone/>
+            </a:pPr>
+            <a:r>
+              <a:rPr lang="ru" sz="1800">
+                <a:solidFill>
+                  <a:srgbClr val="62524A"/>
+                </a:solidFill>
+                <a:latin typeface="Oswald SemiBold"/>
+                <a:ea typeface="Oswald SemiBold"/>
+                <a:cs typeface="Oswald SemiBold"/>
+                <a:sym typeface="Oswald SemiBold"/>
+              </a:rPr>
+              <a:t>Screen Time and Well-being: Exploring Smartphone Usage Patterns and Business Opportunities</a:t>
+            </a:r>
+            <a:endParaRPr sz="1800">
+              <a:solidFill>
+                <a:srgbClr val="62524A"/>
+              </a:solidFill>
+              <a:latin typeface="Oswald SemiBold"/>
+              <a:ea typeface="Oswald SemiBold"/>
+              <a:cs typeface="Oswald SemiBold"/>
+              <a:sym typeface="Oswald SemiBold"/>
+            </a:endParaRPr>
+          </a:p>
+        </p:txBody>
+      </p:sp>
+      <p:sp>
+        <p:nvSpPr>
+          <p:cNvPr id="170" name="Google Shape;170;p33"/>
+          <p:cNvSpPr txBox="1"/>
+          <p:nvPr/>
+        </p:nvSpPr>
+        <p:spPr>
+          <a:xfrm>
             <a:off x="459425" y="1578450"/>
             <a:ext cx="8410500" cy="4641600"/>
           </a:xfrm>
@@ -15377,7 +16385,7 @@
       </p:sp>
       <p:sp>
         <p:nvSpPr>
-          <p:cNvPr id="153" name="Google Shape;153;p31"/>
+          <p:cNvPr id="171" name="Google Shape;171;p33"/>
           <p:cNvSpPr txBox="1"/>
           <p:nvPr/>
         </p:nvSpPr>
@@ -15433,242 +16441,6 @@
           </a:p>
         </p:txBody>
       </p:sp>
-    </p:spTree>
-  </p:cSld>
-  <p:clrMapOvr>
-    <a:masterClrMapping/>
-  </p:clrMapOvr>
-</p:sld>
-</file>
-
-<file path=ppt/slides/slide8.xml><?xml version="1.0" encoding="utf-8"?>
-<p:sld xmlns:a="http://schemas.openxmlformats.org/drawingml/2006/main" xmlns:r="http://schemas.openxmlformats.org/officeDocument/2006/relationships" xmlns:mc="http://schemas.openxmlformats.org/markup-compatibility/2006" xmlns:mv="urn:schemas-microsoft-com:mac:vml" xmlns:p="http://schemas.openxmlformats.org/presentationml/2006/main" xmlns:c="http://schemas.openxmlformats.org/drawingml/2006/chart" xmlns:dgm="http://schemas.openxmlformats.org/drawingml/2006/diagram" xmlns:o="urn:schemas-microsoft-com:office:office" xmlns:v="urn:schemas-microsoft-com:vml" xmlns:pvml="urn:schemas-microsoft-com:office:powerpoint" xmlns:com="http://schemas.openxmlformats.org/drawingml/2006/compatibility" xmlns:p14="http://schemas.microsoft.com/office/powerpoint/2010/main" xmlns:p15="http://schemas.microsoft.com/office/powerpoint/2012/main" xmlns:ahyp="http://schemas.microsoft.com/office/drawing/2018/hyperlinkcolor">
-  <p:cSld>
-    <p:bg>
-      <p:bgPr>
-        <a:solidFill>
-          <a:schemeClr val="lt2"/>
-        </a:solidFill>
-      </p:bgPr>
-    </p:bg>
-    <p:spTree>
-      <p:nvGrpSpPr>
-        <p:cNvPr id="157" name="Shape 157"/>
-        <p:cNvGrpSpPr/>
-        <p:nvPr/>
-      </p:nvGrpSpPr>
-      <p:grpSpPr>
-        <a:xfrm>
-          <a:off x="0" y="0"/>
-          <a:ext cx="0" cy="0"/>
-          <a:chOff x="0" y="0"/>
-          <a:chExt cx="0" cy="0"/>
-        </a:xfrm>
-      </p:grpSpPr>
-      <p:sp>
-        <p:nvSpPr>
-          <p:cNvPr id="158" name="Google Shape;158;p32"/>
-          <p:cNvSpPr txBox="1"/>
-          <p:nvPr/>
-        </p:nvSpPr>
-        <p:spPr>
-          <a:xfrm>
-            <a:off x="169775" y="395850"/>
-            <a:ext cx="8919900" cy="461700"/>
-          </a:xfrm>
-          <a:prstGeom prst="rect">
-            <a:avLst/>
-          </a:prstGeom>
-          <a:noFill/>
-          <a:ln>
-            <a:noFill/>
-          </a:ln>
-        </p:spPr>
-        <p:txBody>
-          <a:bodyPr anchorCtr="0" anchor="t" bIns="91425" lIns="91425" spcFirstLastPara="1" rIns="91425" wrap="square" tIns="91425">
-            <a:spAutoFit/>
-          </a:bodyPr>
-          <a:lstStyle/>
-          <a:p>
-            <a:pPr indent="0" lvl="0" marL="0" rtl="0" algn="l">
-              <a:spcBef>
-                <a:spcPts val="0"/>
-              </a:spcBef>
-              <a:spcAft>
-                <a:spcPts val="0"/>
-              </a:spcAft>
-              <a:buNone/>
-            </a:pPr>
-            <a:r>
-              <a:rPr lang="ru" sz="1800">
-                <a:solidFill>
-                  <a:srgbClr val="62524A"/>
-                </a:solidFill>
-                <a:latin typeface="Oswald SemiBold"/>
-                <a:ea typeface="Oswald SemiBold"/>
-                <a:cs typeface="Oswald SemiBold"/>
-                <a:sym typeface="Oswald SemiBold"/>
-              </a:rPr>
-              <a:t>Screen Time and Well-being: Exploring Smartphone Usage Patterns and Business Opportunities</a:t>
-            </a:r>
-            <a:endParaRPr sz="1800">
-              <a:solidFill>
-                <a:srgbClr val="62524A"/>
-              </a:solidFill>
-              <a:latin typeface="Oswald SemiBold"/>
-              <a:ea typeface="Oswald SemiBold"/>
-              <a:cs typeface="Oswald SemiBold"/>
-              <a:sym typeface="Oswald SemiBold"/>
-            </a:endParaRPr>
-          </a:p>
-        </p:txBody>
-      </p:sp>
-      <p:pic>
-        <p:nvPicPr>
-          <p:cNvPr id="159" name="Google Shape;159;p32"/>
-          <p:cNvPicPr preferRelativeResize="0"/>
-          <p:nvPr/>
-        </p:nvPicPr>
-        <p:blipFill>
-          <a:blip r:embed="rId3">
-            <a:alphaModFix/>
-          </a:blip>
-          <a:stretch>
-            <a:fillRect/>
-          </a:stretch>
-        </p:blipFill>
-        <p:spPr>
-          <a:xfrm>
-            <a:off x="576200" y="920075"/>
-            <a:ext cx="7991601" cy="4095800"/>
-          </a:xfrm>
-          <a:prstGeom prst="rect">
-            <a:avLst/>
-          </a:prstGeom>
-          <a:noFill/>
-          <a:ln>
-            <a:noFill/>
-          </a:ln>
-        </p:spPr>
-      </p:pic>
-    </p:spTree>
-  </p:cSld>
-  <p:clrMapOvr>
-    <a:masterClrMapping/>
-  </p:clrMapOvr>
-</p:sld>
-</file>
-
-<file path=ppt/slides/slide9.xml><?xml version="1.0" encoding="utf-8"?>
-<p:sld xmlns:a="http://schemas.openxmlformats.org/drawingml/2006/main" xmlns:r="http://schemas.openxmlformats.org/officeDocument/2006/relationships" xmlns:mc="http://schemas.openxmlformats.org/markup-compatibility/2006" xmlns:mv="urn:schemas-microsoft-com:mac:vml" xmlns:p="http://schemas.openxmlformats.org/presentationml/2006/main" xmlns:c="http://schemas.openxmlformats.org/drawingml/2006/chart" xmlns:dgm="http://schemas.openxmlformats.org/drawingml/2006/diagram" xmlns:o="urn:schemas-microsoft-com:office:office" xmlns:v="urn:schemas-microsoft-com:vml" xmlns:pvml="urn:schemas-microsoft-com:office:powerpoint" xmlns:com="http://schemas.openxmlformats.org/drawingml/2006/compatibility" xmlns:p14="http://schemas.microsoft.com/office/powerpoint/2010/main" xmlns:p15="http://schemas.microsoft.com/office/powerpoint/2012/main" xmlns:ahyp="http://schemas.microsoft.com/office/drawing/2018/hyperlinkcolor">
-  <p:cSld>
-    <p:bg>
-      <p:bgPr>
-        <a:solidFill>
-          <a:schemeClr val="lt2"/>
-        </a:solidFill>
-      </p:bgPr>
-    </p:bg>
-    <p:spTree>
-      <p:nvGrpSpPr>
-        <p:cNvPr id="163" name="Shape 163"/>
-        <p:cNvGrpSpPr/>
-        <p:nvPr/>
-      </p:nvGrpSpPr>
-      <p:grpSpPr>
-        <a:xfrm>
-          <a:off x="0" y="0"/>
-          <a:ext cx="0" cy="0"/>
-          <a:chOff x="0" y="0"/>
-          <a:chExt cx="0" cy="0"/>
-        </a:xfrm>
-      </p:grpSpPr>
-      <p:sp>
-        <p:nvSpPr>
-          <p:cNvPr id="164" name="Google Shape;164;p33"/>
-          <p:cNvSpPr txBox="1"/>
-          <p:nvPr/>
-        </p:nvSpPr>
-        <p:spPr>
-          <a:xfrm>
-            <a:off x="152400" y="375875"/>
-            <a:ext cx="8919900" cy="461700"/>
-          </a:xfrm>
-          <a:prstGeom prst="rect">
-            <a:avLst/>
-          </a:prstGeom>
-          <a:noFill/>
-          <a:ln>
-            <a:noFill/>
-          </a:ln>
-        </p:spPr>
-        <p:txBody>
-          <a:bodyPr anchorCtr="0" anchor="t" bIns="91425" lIns="91425" spcFirstLastPara="1" rIns="91425" wrap="square" tIns="91425">
-            <a:spAutoFit/>
-          </a:bodyPr>
-          <a:lstStyle/>
-          <a:p>
-            <a:pPr indent="0" lvl="0" marL="0" rtl="0" algn="l">
-              <a:spcBef>
-                <a:spcPts val="0"/>
-              </a:spcBef>
-              <a:spcAft>
-                <a:spcPts val="0"/>
-              </a:spcAft>
-              <a:buNone/>
-            </a:pPr>
-            <a:r>
-              <a:rPr lang="ru" sz="1800">
-                <a:solidFill>
-                  <a:srgbClr val="62524A"/>
-                </a:solidFill>
-                <a:latin typeface="Oswald SemiBold"/>
-                <a:ea typeface="Oswald SemiBold"/>
-                <a:cs typeface="Oswald SemiBold"/>
-                <a:sym typeface="Oswald SemiBold"/>
-              </a:rPr>
-              <a:t>Screen Time and Well-being: Exploring Smartphone Usage Patterns and Business Opportunities</a:t>
-            </a:r>
-            <a:endParaRPr sz="1800">
-              <a:solidFill>
-                <a:srgbClr val="62524A"/>
-              </a:solidFill>
-              <a:latin typeface="Oswald SemiBold"/>
-              <a:ea typeface="Oswald SemiBold"/>
-              <a:cs typeface="Oswald SemiBold"/>
-              <a:sym typeface="Oswald SemiBold"/>
-            </a:endParaRPr>
-          </a:p>
-        </p:txBody>
-      </p:sp>
-      <p:pic>
-        <p:nvPicPr>
-          <p:cNvPr id="165" name="Google Shape;165;p33"/>
-          <p:cNvPicPr preferRelativeResize="0"/>
-          <p:nvPr/>
-        </p:nvPicPr>
-        <p:blipFill>
-          <a:blip r:embed="rId3">
-            <a:alphaModFix/>
-          </a:blip>
-          <a:stretch>
-            <a:fillRect/>
-          </a:stretch>
-        </p:blipFill>
-        <p:spPr>
-          <a:xfrm>
-            <a:off x="152400" y="1009950"/>
-            <a:ext cx="8839199" cy="3897841"/>
-          </a:xfrm>
-          <a:prstGeom prst="rect">
-            <a:avLst/>
-          </a:prstGeom>
-          <a:noFill/>
-          <a:ln>
-            <a:noFill/>
-          </a:ln>
-        </p:spPr>
-      </p:pic>
     </p:spTree>
   </p:cSld>
   <p:clrMapOvr>
@@ -15957,6 +16729,285 @@
 </file>
 
 <file path=ppt/theme/theme2.xml><?xml version="1.0" encoding="utf-8"?>
+<a:theme xmlns:a="http://schemas.openxmlformats.org/drawingml/2006/main" xmlns:r="http://schemas.openxmlformats.org/officeDocument/2006/relationships" name="Simple Dark">
+  <a:themeElements>
+    <a:clrScheme name="Simple Dark">
+      <a:dk1>
+        <a:srgbClr val="FFFFFF"/>
+      </a:dk1>
+      <a:lt1>
+        <a:srgbClr val="212121"/>
+      </a:lt1>
+      <a:dk2>
+        <a:srgbClr val="303030"/>
+      </a:dk2>
+      <a:lt2>
+        <a:srgbClr val="ADADAD"/>
+      </a:lt2>
+      <a:accent1>
+        <a:srgbClr val="009688"/>
+      </a:accent1>
+      <a:accent2>
+        <a:srgbClr val="EEEEEE"/>
+      </a:accent2>
+      <a:accent3>
+        <a:srgbClr val="78909C"/>
+      </a:accent3>
+      <a:accent4>
+        <a:srgbClr val="FFAB40"/>
+      </a:accent4>
+      <a:accent5>
+        <a:srgbClr val="4DD0E1"/>
+      </a:accent5>
+      <a:accent6>
+        <a:srgbClr val="EEFF41"/>
+      </a:accent6>
+      <a:hlink>
+        <a:srgbClr val="4DD0E1"/>
+      </a:hlink>
+      <a:folHlink>
+        <a:srgbClr val="4DD0E1"/>
+      </a:folHlink>
+    </a:clrScheme>
+    <a:fontScheme name="Office">
+      <a:majorFont>
+        <a:latin typeface="Arial"/>
+        <a:ea typeface=""/>
+        <a:cs typeface=""/>
+        <a:font script="Jpan" typeface="ＭＳ Ｐゴシック"/>
+        <a:font script="Hang" typeface="맑은 고딕"/>
+        <a:font script="Hans" typeface="宋体"/>
+        <a:font script="Hant" typeface="新細明體"/>
+        <a:font script="Arab" typeface="Times New Roman"/>
+        <a:font script="Hebr" typeface="Times New Roman"/>
+        <a:font script="Thai" typeface="Angsana New"/>
+        <a:font script="Ethi" typeface="Nyala"/>
+        <a:font script="Beng" typeface="Vrinda"/>
+        <a:font script="Gujr" typeface="Shruti"/>
+        <a:font script="Khmr" typeface="MoolBoran"/>
+        <a:font script="Knda" typeface="Tunga"/>
+        <a:font script="Guru" typeface="Raavi"/>
+        <a:font script="Cans" typeface="Euphemia"/>
+        <a:font script="Cher" typeface="Plantagenet Cherokee"/>
+        <a:font script="Yiii" typeface="Microsoft Yi Baiti"/>
+        <a:font script="Tibt" typeface="Microsoft Himalaya"/>
+        <a:font script="Thaa" typeface="MV Boli"/>
+        <a:font script="Deva" typeface="Mangal"/>
+        <a:font script="Telu" typeface="Gautami"/>
+        <a:font script="Taml" typeface="Latha"/>
+        <a:font script="Syrc" typeface="Estrangelo Edessa"/>
+        <a:font script="Orya" typeface="Kalinga"/>
+        <a:font script="Mlym" typeface="Kartika"/>
+        <a:font script="Laoo" typeface="DokChampa"/>
+        <a:font script="Sinh" typeface="Iskoola Pota"/>
+        <a:font script="Mong" typeface="Mongolian Baiti"/>
+        <a:font script="Viet" typeface="Times New Roman"/>
+        <a:font script="Uigh" typeface="Microsoft Uighur"/>
+        <a:font script="Geor" typeface="Sylfaen"/>
+      </a:majorFont>
+      <a:minorFont>
+        <a:latin typeface="Arial"/>
+        <a:ea typeface=""/>
+        <a:cs typeface=""/>
+        <a:font script="Jpan" typeface="ＭＳ Ｐゴシック"/>
+        <a:font script="Hang" typeface="맑은 고딕"/>
+        <a:font script="Hans" typeface="宋体"/>
+        <a:font script="Hant" typeface="新細明體"/>
+        <a:font script="Arab" typeface="Arial"/>
+        <a:font script="Hebr" typeface="Arial"/>
+        <a:font script="Thai" typeface="Cordia New"/>
+        <a:font script="Ethi" typeface="Nyala"/>
+        <a:font script="Beng" typeface="Vrinda"/>
+        <a:font script="Gujr" typeface="Shruti"/>
+        <a:font script="Khmr" typeface="DaunPenh"/>
+        <a:font script="Knda" typeface="Tunga"/>
+        <a:font script="Guru" typeface="Raavi"/>
+        <a:font script="Cans" typeface="Euphemia"/>
+        <a:font script="Cher" typeface="Plantagenet Cherokee"/>
+        <a:font script="Yiii" typeface="Microsoft Yi Baiti"/>
+        <a:font script="Tibt" typeface="Microsoft Himalaya"/>
+        <a:font script="Thaa" typeface="MV Boli"/>
+        <a:font script="Deva" typeface="Mangal"/>
+        <a:font script="Telu" typeface="Gautami"/>
+        <a:font script="Taml" typeface="Latha"/>
+        <a:font script="Syrc" typeface="Estrangelo Edessa"/>
+        <a:font script="Orya" typeface="Kalinga"/>
+        <a:font script="Mlym" typeface="Kartika"/>
+        <a:font script="Laoo" typeface="DokChampa"/>
+        <a:font script="Sinh" typeface="Iskoola Pota"/>
+        <a:font script="Mong" typeface="Mongolian Baiti"/>
+        <a:font script="Viet" typeface="Arial"/>
+        <a:font script="Uigh" typeface="Microsoft Uighur"/>
+        <a:font script="Geor" typeface="Sylfaen"/>
+      </a:minorFont>
+    </a:fontScheme>
+    <a:fmtScheme name="Office">
+      <a:fillStyleLst>
+        <a:solidFill>
+          <a:schemeClr val="phClr"/>
+        </a:solidFill>
+        <a:gradFill rotWithShape="1">
+          <a:gsLst>
+            <a:gs pos="0">
+              <a:schemeClr val="phClr">
+                <a:tint val="50000"/>
+                <a:satMod val="300000"/>
+              </a:schemeClr>
+            </a:gs>
+            <a:gs pos="35000">
+              <a:schemeClr val="phClr">
+                <a:tint val="37000"/>
+                <a:satMod val="300000"/>
+              </a:schemeClr>
+            </a:gs>
+            <a:gs pos="100000">
+              <a:schemeClr val="phClr">
+                <a:tint val="15000"/>
+                <a:satMod val="350000"/>
+              </a:schemeClr>
+            </a:gs>
+          </a:gsLst>
+          <a:lin ang="16200000" scaled="1"/>
+        </a:gradFill>
+        <a:gradFill rotWithShape="1">
+          <a:gsLst>
+            <a:gs pos="0">
+              <a:schemeClr val="phClr">
+                <a:tint val="100000"/>
+                <a:shade val="100000"/>
+                <a:satMod val="130000"/>
+              </a:schemeClr>
+            </a:gs>
+            <a:gs pos="100000">
+              <a:schemeClr val="phClr">
+                <a:tint val="50000"/>
+                <a:shade val="100000"/>
+                <a:satMod val="350000"/>
+              </a:schemeClr>
+            </a:gs>
+          </a:gsLst>
+          <a:lin ang="16200000" scaled="0"/>
+        </a:gradFill>
+      </a:fillStyleLst>
+      <a:lnStyleLst>
+        <a:ln w="9525" cap="flat" cmpd="sng" algn="ctr">
+          <a:solidFill>
+            <a:schemeClr val="phClr">
+              <a:shade val="95000"/>
+              <a:satMod val="105000"/>
+            </a:schemeClr>
+          </a:solidFill>
+          <a:prstDash val="solid"/>
+        </a:ln>
+        <a:ln w="25400" cap="flat" cmpd="sng" algn="ctr">
+          <a:solidFill>
+            <a:schemeClr val="phClr"/>
+          </a:solidFill>
+          <a:prstDash val="solid"/>
+        </a:ln>
+        <a:ln w="38100" cap="flat" cmpd="sng" algn="ctr">
+          <a:solidFill>
+            <a:schemeClr val="phClr"/>
+          </a:solidFill>
+          <a:prstDash val="solid"/>
+        </a:ln>
+      </a:lnStyleLst>
+      <a:effectStyleLst>
+        <a:effectStyle>
+          <a:effectLst>
+            <a:outerShdw blurRad="40000" dist="20000" dir="5400000" rotWithShape="0">
+              <a:srgbClr val="000000">
+                <a:alpha val="38000"/>
+              </a:srgbClr>
+            </a:outerShdw>
+          </a:effectLst>
+        </a:effectStyle>
+        <a:effectStyle>
+          <a:effectLst>
+            <a:outerShdw blurRad="40000" dist="23000" dir="5400000" rotWithShape="0">
+              <a:srgbClr val="000000">
+                <a:alpha val="35000"/>
+              </a:srgbClr>
+            </a:outerShdw>
+          </a:effectLst>
+        </a:effectStyle>
+        <a:effectStyle>
+          <a:effectLst>
+            <a:outerShdw blurRad="40000" dist="23000" dir="5400000" rotWithShape="0">
+              <a:srgbClr val="000000">
+                <a:alpha val="35000"/>
+              </a:srgbClr>
+            </a:outerShdw>
+          </a:effectLst>
+          <a:scene3d>
+            <a:camera prst="orthographicFront">
+              <a:rot lat="0" lon="0" rev="0"/>
+            </a:camera>
+            <a:lightRig rig="threePt" dir="t">
+              <a:rot lat="0" lon="0" rev="1200000"/>
+            </a:lightRig>
+          </a:scene3d>
+          <a:sp3d>
+            <a:bevelT w="63500" h="25400"/>
+          </a:sp3d>
+        </a:effectStyle>
+      </a:effectStyleLst>
+      <a:bgFillStyleLst>
+        <a:solidFill>
+          <a:schemeClr val="phClr"/>
+        </a:solidFill>
+        <a:gradFill rotWithShape="1">
+          <a:gsLst>
+            <a:gs pos="0">
+              <a:schemeClr val="phClr">
+                <a:tint val="40000"/>
+                <a:satMod val="350000"/>
+              </a:schemeClr>
+            </a:gs>
+            <a:gs pos="40000">
+              <a:schemeClr val="phClr">
+                <a:tint val="45000"/>
+                <a:shade val="99000"/>
+                <a:satMod val="350000"/>
+              </a:schemeClr>
+            </a:gs>
+            <a:gs pos="100000">
+              <a:schemeClr val="phClr">
+                <a:shade val="20000"/>
+                <a:satMod val="255000"/>
+              </a:schemeClr>
+            </a:gs>
+          </a:gsLst>
+          <a:path path="circle">
+            <a:fillToRect l="50000" t="-80000" r="50000" b="180000"/>
+          </a:path>
+        </a:gradFill>
+        <a:gradFill rotWithShape="1">
+          <a:gsLst>
+            <a:gs pos="0">
+              <a:schemeClr val="phClr">
+                <a:tint val="80000"/>
+                <a:satMod val="300000"/>
+              </a:schemeClr>
+            </a:gs>
+            <a:gs pos="100000">
+              <a:schemeClr val="phClr">
+                <a:shade val="30000"/>
+                <a:satMod val="200000"/>
+              </a:schemeClr>
+            </a:gs>
+          </a:gsLst>
+          <a:path path="circle">
+            <a:fillToRect l="50000" t="50000" r="50000" b="50000"/>
+          </a:path>
+        </a:gradFill>
+      </a:bgFillStyleLst>
+    </a:fmtScheme>
+  </a:themeElements>
+</a:theme>
+</file>
+
+<file path=ppt/theme/theme3.xml><?xml version="1.0" encoding="utf-8"?>
 <a:theme xmlns:a="http://schemas.openxmlformats.org/drawingml/2006/main" xmlns:r="http://schemas.openxmlformats.org/officeDocument/2006/relationships">
   <a:themeElements>
     <a:clrScheme name="Default">
@@ -16233,283 +17284,4 @@
     </a:fmtScheme>
   </a:themeElements>
 </a:theme>
-</file>
-
-<file path=ppt/theme/theme3.xml><?xml version="1.0" encoding="utf-8"?>
-<a:theme xmlns:a="http://schemas.openxmlformats.org/drawingml/2006/main" xmlns:r="http://schemas.openxmlformats.org/officeDocument/2006/relationships" name="Simple Dark">
-  <a:themeElements>
-    <a:clrScheme name="Simple Dark">
-      <a:dk1>
-        <a:srgbClr val="FFFFFF"/>
-      </a:dk1>
-      <a:lt1>
-        <a:srgbClr val="212121"/>
-      </a:lt1>
-      <a:dk2>
-        <a:srgbClr val="303030"/>
-      </a:dk2>
-      <a:lt2>
-        <a:srgbClr val="ADADAD"/>
-      </a:lt2>
-      <a:accent1>
-        <a:srgbClr val="009688"/>
-      </a:accent1>
-      <a:accent2>
-        <a:srgbClr val="EEEEEE"/>
-      </a:accent2>
-      <a:accent3>
-        <a:srgbClr val="78909C"/>
-      </a:accent3>
-      <a:accent4>
-        <a:srgbClr val="FFAB40"/>
-      </a:accent4>
-      <a:accent5>
-        <a:srgbClr val="4DD0E1"/>
-      </a:accent5>
-      <a:accent6>
-        <a:srgbClr val="EEFF41"/>
-      </a:accent6>
-      <a:hlink>
-        <a:srgbClr val="4DD0E1"/>
-      </a:hlink>
-      <a:folHlink>
-        <a:srgbClr val="4DD0E1"/>
-      </a:folHlink>
-    </a:clrScheme>
-    <a:fontScheme name="Office">
-      <a:majorFont>
-        <a:latin typeface="Arial"/>
-        <a:ea typeface=""/>
-        <a:cs typeface=""/>
-        <a:font script="Jpan" typeface="ＭＳ Ｐゴシック"/>
-        <a:font script="Hang" typeface="맑은 고딕"/>
-        <a:font script="Hans" typeface="宋体"/>
-        <a:font script="Hant" typeface="新細明體"/>
-        <a:font script="Arab" typeface="Times New Roman"/>
-        <a:font script="Hebr" typeface="Times New Roman"/>
-        <a:font script="Thai" typeface="Angsana New"/>
-        <a:font script="Ethi" typeface="Nyala"/>
-        <a:font script="Beng" typeface="Vrinda"/>
-        <a:font script="Gujr" typeface="Shruti"/>
-        <a:font script="Khmr" typeface="MoolBoran"/>
-        <a:font script="Knda" typeface="Tunga"/>
-        <a:font script="Guru" typeface="Raavi"/>
-        <a:font script="Cans" typeface="Euphemia"/>
-        <a:font script="Cher" typeface="Plantagenet Cherokee"/>
-        <a:font script="Yiii" typeface="Microsoft Yi Baiti"/>
-        <a:font script="Tibt" typeface="Microsoft Himalaya"/>
-        <a:font script="Thaa" typeface="MV Boli"/>
-        <a:font script="Deva" typeface="Mangal"/>
-        <a:font script="Telu" typeface="Gautami"/>
-        <a:font script="Taml" typeface="Latha"/>
-        <a:font script="Syrc" typeface="Estrangelo Edessa"/>
-        <a:font script="Orya" typeface="Kalinga"/>
-        <a:font script="Mlym" typeface="Kartika"/>
-        <a:font script="Laoo" typeface="DokChampa"/>
-        <a:font script="Sinh" typeface="Iskoola Pota"/>
-        <a:font script="Mong" typeface="Mongolian Baiti"/>
-        <a:font script="Viet" typeface="Times New Roman"/>
-        <a:font script="Uigh" typeface="Microsoft Uighur"/>
-        <a:font script="Geor" typeface="Sylfaen"/>
-      </a:majorFont>
-      <a:minorFont>
-        <a:latin typeface="Arial"/>
-        <a:ea typeface=""/>
-        <a:cs typeface=""/>
-        <a:font script="Jpan" typeface="ＭＳ Ｐゴシック"/>
-        <a:font script="Hang" typeface="맑은 고딕"/>
-        <a:font script="Hans" typeface="宋体"/>
-        <a:font script="Hant" typeface="新細明體"/>
-        <a:font script="Arab" typeface="Arial"/>
-        <a:font script="Hebr" typeface="Arial"/>
-        <a:font script="Thai" typeface="Cordia New"/>
-        <a:font script="Ethi" typeface="Nyala"/>
-        <a:font script="Beng" typeface="Vrinda"/>
-        <a:font script="Gujr" typeface="Shruti"/>
-        <a:font script="Khmr" typeface="DaunPenh"/>
-        <a:font script="Knda" typeface="Tunga"/>
-        <a:font script="Guru" typeface="Raavi"/>
-        <a:font script="Cans" typeface="Euphemia"/>
-        <a:font script="Cher" typeface="Plantagenet Cherokee"/>
-        <a:font script="Yiii" typeface="Microsoft Yi Baiti"/>
-        <a:font script="Tibt" typeface="Microsoft Himalaya"/>
-        <a:font script="Thaa" typeface="MV Boli"/>
-        <a:font script="Deva" typeface="Mangal"/>
-        <a:font script="Telu" typeface="Gautami"/>
-        <a:font script="Taml" typeface="Latha"/>
-        <a:font script="Syrc" typeface="Estrangelo Edessa"/>
-        <a:font script="Orya" typeface="Kalinga"/>
-        <a:font script="Mlym" typeface="Kartika"/>
-        <a:font script="Laoo" typeface="DokChampa"/>
-        <a:font script="Sinh" typeface="Iskoola Pota"/>
-        <a:font script="Mong" typeface="Mongolian Baiti"/>
-        <a:font script="Viet" typeface="Arial"/>
-        <a:font script="Uigh" typeface="Microsoft Uighur"/>
-        <a:font script="Geor" typeface="Sylfaen"/>
-      </a:minorFont>
-    </a:fontScheme>
-    <a:fmtScheme name="Office">
-      <a:fillStyleLst>
-        <a:solidFill>
-          <a:schemeClr val="phClr"/>
-        </a:solidFill>
-        <a:gradFill rotWithShape="1">
-          <a:gsLst>
-            <a:gs pos="0">
-              <a:schemeClr val="phClr">
-                <a:tint val="50000"/>
-                <a:satMod val="300000"/>
-              </a:schemeClr>
-            </a:gs>
-            <a:gs pos="35000">
-              <a:schemeClr val="phClr">
-                <a:tint val="37000"/>
-                <a:satMod val="300000"/>
-              </a:schemeClr>
-            </a:gs>
-            <a:gs pos="100000">
-              <a:schemeClr val="phClr">
-                <a:tint val="15000"/>
-                <a:satMod val="350000"/>
-              </a:schemeClr>
-            </a:gs>
-          </a:gsLst>
-          <a:lin ang="16200000" scaled="1"/>
-        </a:gradFill>
-        <a:gradFill rotWithShape="1">
-          <a:gsLst>
-            <a:gs pos="0">
-              <a:schemeClr val="phClr">
-                <a:tint val="100000"/>
-                <a:shade val="100000"/>
-                <a:satMod val="130000"/>
-              </a:schemeClr>
-            </a:gs>
-            <a:gs pos="100000">
-              <a:schemeClr val="phClr">
-                <a:tint val="50000"/>
-                <a:shade val="100000"/>
-                <a:satMod val="350000"/>
-              </a:schemeClr>
-            </a:gs>
-          </a:gsLst>
-          <a:lin ang="16200000" scaled="0"/>
-        </a:gradFill>
-      </a:fillStyleLst>
-      <a:lnStyleLst>
-        <a:ln w="9525" cap="flat" cmpd="sng" algn="ctr">
-          <a:solidFill>
-            <a:schemeClr val="phClr">
-              <a:shade val="95000"/>
-              <a:satMod val="105000"/>
-            </a:schemeClr>
-          </a:solidFill>
-          <a:prstDash val="solid"/>
-        </a:ln>
-        <a:ln w="25400" cap="flat" cmpd="sng" algn="ctr">
-          <a:solidFill>
-            <a:schemeClr val="phClr"/>
-          </a:solidFill>
-          <a:prstDash val="solid"/>
-        </a:ln>
-        <a:ln w="38100" cap="flat" cmpd="sng" algn="ctr">
-          <a:solidFill>
-            <a:schemeClr val="phClr"/>
-          </a:solidFill>
-          <a:prstDash val="solid"/>
-        </a:ln>
-      </a:lnStyleLst>
-      <a:effectStyleLst>
-        <a:effectStyle>
-          <a:effectLst>
-            <a:outerShdw blurRad="40000" dist="20000" dir="5400000" rotWithShape="0">
-              <a:srgbClr val="000000">
-                <a:alpha val="38000"/>
-              </a:srgbClr>
-            </a:outerShdw>
-          </a:effectLst>
-        </a:effectStyle>
-        <a:effectStyle>
-          <a:effectLst>
-            <a:outerShdw blurRad="40000" dist="23000" dir="5400000" rotWithShape="0">
-              <a:srgbClr val="000000">
-                <a:alpha val="35000"/>
-              </a:srgbClr>
-            </a:outerShdw>
-          </a:effectLst>
-        </a:effectStyle>
-        <a:effectStyle>
-          <a:effectLst>
-            <a:outerShdw blurRad="40000" dist="23000" dir="5400000" rotWithShape="0">
-              <a:srgbClr val="000000">
-                <a:alpha val="35000"/>
-              </a:srgbClr>
-            </a:outerShdw>
-          </a:effectLst>
-          <a:scene3d>
-            <a:camera prst="orthographicFront">
-              <a:rot lat="0" lon="0" rev="0"/>
-            </a:camera>
-            <a:lightRig rig="threePt" dir="t">
-              <a:rot lat="0" lon="0" rev="1200000"/>
-            </a:lightRig>
-          </a:scene3d>
-          <a:sp3d>
-            <a:bevelT w="63500" h="25400"/>
-          </a:sp3d>
-        </a:effectStyle>
-      </a:effectStyleLst>
-      <a:bgFillStyleLst>
-        <a:solidFill>
-          <a:schemeClr val="phClr"/>
-        </a:solidFill>
-        <a:gradFill rotWithShape="1">
-          <a:gsLst>
-            <a:gs pos="0">
-              <a:schemeClr val="phClr">
-                <a:tint val="40000"/>
-                <a:satMod val="350000"/>
-              </a:schemeClr>
-            </a:gs>
-            <a:gs pos="40000">
-              <a:schemeClr val="phClr">
-                <a:tint val="45000"/>
-                <a:shade val="99000"/>
-                <a:satMod val="350000"/>
-              </a:schemeClr>
-            </a:gs>
-            <a:gs pos="100000">
-              <a:schemeClr val="phClr">
-                <a:shade val="20000"/>
-                <a:satMod val="255000"/>
-              </a:schemeClr>
-            </a:gs>
-          </a:gsLst>
-          <a:path path="circle">
-            <a:fillToRect l="50000" t="-80000" r="50000" b="180000"/>
-          </a:path>
-        </a:gradFill>
-        <a:gradFill rotWithShape="1">
-          <a:gsLst>
-            <a:gs pos="0">
-              <a:schemeClr val="phClr">
-                <a:tint val="80000"/>
-                <a:satMod val="300000"/>
-              </a:schemeClr>
-            </a:gs>
-            <a:gs pos="100000">
-              <a:schemeClr val="phClr">
-                <a:shade val="30000"/>
-                <a:satMod val="200000"/>
-              </a:schemeClr>
-            </a:gs>
-          </a:gsLst>
-          <a:path path="circle">
-            <a:fillToRect l="50000" t="50000" r="50000" b="50000"/>
-          </a:path>
-        </a:gradFill>
-      </a:bgFillStyleLst>
-    </a:fmtScheme>
-  </a:themeElements>
-</a:theme>
 </file>